--- a/Alireza Shooshtari CV.pptx
+++ b/Alireza Shooshtari CV.pptx
@@ -12786,7 +12786,7 @@
         <p:spPr>
           <a:xfrm>
             <a:off x="2264417" y="5253813"/>
-            <a:ext cx="5231189" cy="627351"/>
+            <a:ext cx="5231189" cy="688907"/>
           </a:xfrm>
           <a:prstGeom prst="rect">
             <a:avLst/>
@@ -12799,34 +12799,15 @@
           </a:bodyPr>
           <a:lstStyle/>
           <a:p>
-            <a:pPr marL="171450" marR="0" lvl="1" indent="-171450" algn="just" defTabSz="914400" rtl="0" eaLnBrk="1" fontAlgn="auto" latinLnBrk="0" hangingPunct="1">
-              <a:lnSpc>
-                <a:spcPct val="150000"/>
-              </a:lnSpc>
-              <a:spcBef>
-                <a:spcPts val="0"/>
-              </a:spcBef>
-              <a:spcAft>
-                <a:spcPts val="0"/>
-              </a:spcAft>
-              <a:buClr>
-                <a:srgbClr val="000000"/>
-              </a:buClr>
-              <a:buSzTx/>
+            <a:pPr marL="171450" indent="-171450">
               <a:buFont typeface="Arial" panose="020B0604020202020204" pitchFamily="34" charset="0"/>
               <a:buChar char="•"/>
-              <a:tabLst/>
-              <a:defRPr/>
             </a:pPr>
             <a:r>
               <a:rPr lang="en-US" sz="800" dirty="0">
-                <a:solidFill>
-                  <a:schemeClr val="dk1"/>
-                </a:solidFill>
-                <a:latin typeface="Fira Sans"/>
-                <a:sym typeface="Fira Sans"/>
+                <a:latin typeface="Fira Sans" panose="020B0503050000020004" pitchFamily="34" charset="0"/>
               </a:rPr>
-              <a:t>Deep learning in different electrical and biomedical engineering applications</a:t>
+              <a:t>Investigation on applications of unsupervised learning methods in clustering the test results of transformers</a:t>
             </a:r>
           </a:p>
           <a:p>
@@ -15490,7 +15471,7 @@
             <a:pPr algn="r"/>
             <a:r>
               <a:rPr lang="en-US" sz="900" dirty="0"/>
-              <a:t>2014</a:t>
+              <a:t>2019</a:t>
             </a:r>
           </a:p>
         </p:txBody>
@@ -15526,7 +15507,7 @@
             <a:pPr algn="r"/>
             <a:r>
               <a:rPr lang="en-US" sz="900" dirty="0"/>
-              <a:t>2019</a:t>
+              <a:t>2014</a:t>
             </a:r>
           </a:p>
         </p:txBody>
